--- a/tokenplus.pptx
+++ b/tokenplus.pptx
@@ -3615,6 +3615,25 @@
               <a:t>Recover Funds</a:t>
             </a:r>
           </a:p>
+          <a:p>
+            <a:endParaRPr lang="en-GB" dirty="0"/>
+          </a:p>
+          <a:p>
+            <a:r>
+              <a:rPr lang="en-GB" dirty="0"/>
+              <a:t>Repo: </a:t>
+            </a:r>
+            <a:r>
+              <a:rPr lang="en-GB" dirty="0">
+                <a:hlinkClick r:id="rId2"/>
+              </a:rPr>
+              <a:t>https://github.com/lifeisbeer/zkHouse</a:t>
+            </a:r>
+            <a:r>
+              <a:rPr lang="en-GB" dirty="0"/>
+              <a:t> (under construction) </a:t>
+            </a:r>
+          </a:p>
         </p:txBody>
       </p:sp>
     </p:spTree>
